--- a/trunk/Documentação/Apresentação31_08.pptx
+++ b/trunk/Documentação/Apresentação31_08.pptx
@@ -5,7 +5,7 @@
     <p:sldMasterId id="2147483684" r:id="rId1"/>
   </p:sldMasterIdLst>
   <p:notesMasterIdLst>
-    <p:notesMasterId r:id="rId14"/>
+    <p:notesMasterId r:id="rId17"/>
   </p:notesMasterIdLst>
   <p:sldIdLst>
     <p:sldId id="256" r:id="rId2"/>
@@ -17,9 +17,12 @@
     <p:sldId id="262" r:id="rId8"/>
     <p:sldId id="263" r:id="rId9"/>
     <p:sldId id="267" r:id="rId10"/>
-    <p:sldId id="264" r:id="rId11"/>
-    <p:sldId id="265" r:id="rId12"/>
-    <p:sldId id="266" r:id="rId13"/>
+    <p:sldId id="268" r:id="rId11"/>
+    <p:sldId id="269" r:id="rId12"/>
+    <p:sldId id="270" r:id="rId13"/>
+    <p:sldId id="264" r:id="rId14"/>
+    <p:sldId id="265" r:id="rId15"/>
+    <p:sldId id="266" r:id="rId16"/>
   </p:sldIdLst>
   <p:sldSz cx="9144000" cy="6858000" type="screen4x3"/>
   <p:notesSz cx="6858000" cy="9144000"/>
@@ -371,6 +374,11 @@
         </p:txBody>
       </p:sp>
     </p:spTree>
+    <p:extLst>
+      <p:ext uri="{BB962C8B-B14F-4D97-AF65-F5344CB8AC3E}">
+        <p14:creationId xmlns:p14="http://schemas.microsoft.com/office/powerpoint/2010/main" val="4288046665"/>
+      </p:ext>
+    </p:extLst>
   </p:cSld>
   <p:clrMap bg1="lt1" tx1="dk1" bg2="lt2" tx2="dk2" accent1="accent1" accent2="accent2" accent3="accent3" accent4="accent4" accent5="accent5" accent6="accent6" hlink="hlink" folHlink="folHlink"/>
   <p:notesStyle>
@@ -5234,15 +5242,7 @@
                   <a:schemeClr val="tx2"/>
                 </a:solidFill>
               </a:rPr>
-              <a:t> </a:t>
-            </a:r>
-            <a:r>
-              <a:rPr lang="pt-BR" sz="1600" dirty="0" smtClean="0">
-                <a:solidFill>
-                  <a:schemeClr val="tx2"/>
-                </a:solidFill>
-              </a:rPr>
-              <a:t>Valoski</a:t>
+              <a:t> Valoski</a:t>
             </a:r>
             <a:endParaRPr kumimoji="0" lang="pt-BR" sz="1600" b="0" i="0" u="none" strike="noStrike" kern="1200" cap="none" spc="0" normalizeH="0" baseline="0" noProof="0" dirty="0">
               <a:ln>
@@ -5266,6 +5266,13 @@
   <p:clrMapOvr>
     <a:masterClrMapping/>
   </p:clrMapOvr>
+  <p:timing>
+    <p:tnLst>
+      <p:par>
+        <p:cTn id="1" dur="indefinite" restart="never" nodeType="tmRoot"/>
+      </p:par>
+    </p:tnLst>
+  </p:timing>
 </p:sld>
 </file>
 
@@ -5317,20 +5324,60 @@
         </p:nvSpPr>
         <p:spPr/>
         <p:txBody>
-          <a:bodyPr>
-            <a:normAutofit/>
-          </a:bodyPr>
+          <a:bodyPr/>
           <a:lstStyle/>
           <a:p>
-            <a:r>
-              <a:rPr lang="pt-BR" dirty="0" smtClean="0"/>
-              <a:t>Casos de Uso</a:t>
-            </a:r>
-            <a:endParaRPr lang="pt-BR" dirty="0"/>
-          </a:p>
-        </p:txBody>
-      </p:sp>
+            <a:endParaRPr lang="pt-BR"/>
+          </a:p>
+        </p:txBody>
+      </p:sp>
+      <p:pic>
+        <p:nvPicPr>
+          <p:cNvPr id="1026" name="Picture 2" descr="D:\Projetos\EMR_Agosto\Documentação\UML\Diagramas\Fluxo Geral + Workflow.jpg"/>
+          <p:cNvPicPr>
+            <a:picLocks noChangeAspect="1" noChangeArrowheads="1"/>
+          </p:cNvPicPr>
+          <p:nvPr/>
+        </p:nvPicPr>
+        <p:blipFill>
+          <a:blip r:embed="rId2">
+            <a:extLst>
+              <a:ext uri="{28A0092B-C50C-407E-A947-70E740481C1C}">
+                <a14:useLocalDpi xmlns:a14="http://schemas.microsoft.com/office/drawing/2010/main" val="0"/>
+              </a:ext>
+            </a:extLst>
+          </a:blip>
+          <a:srcRect/>
+          <a:stretch>
+            <a:fillRect/>
+          </a:stretch>
+        </p:blipFill>
+        <p:spPr bwMode="auto">
+          <a:xfrm>
+            <a:off x="0" y="304800"/>
+            <a:ext cx="9144000" cy="6096000"/>
+          </a:xfrm>
+          <a:prstGeom prst="rect">
+            <a:avLst/>
+          </a:prstGeom>
+          <a:noFill/>
+          <a:extLst>
+            <a:ext uri="{909E8E84-426E-40DD-AFC4-6F175D3DCCD1}">
+              <a14:hiddenFill xmlns:a14="http://schemas.microsoft.com/office/drawing/2010/main">
+                <a:solidFill>
+                  <a:srgbClr val="FFFFFF"/>
+                </a:solidFill>
+              </a14:hiddenFill>
+            </a:ext>
+          </a:extLst>
+        </p:spPr>
+      </p:pic>
     </p:spTree>
+    <p:extLst>
+      <p:ext uri="{BB962C8B-B14F-4D97-AF65-F5344CB8AC3E}">
+        <p14:creationId xmlns:p14="http://schemas.microsoft.com/office/powerpoint/2010/main" val="4110678145"/>
+      </p:ext>
+    </p:extLst>
   </p:cSld>
   <p:clrMapOvr>
     <a:masterClrMapping/>
@@ -5370,7 +5417,7 @@
           <a:bodyPr/>
           <a:lstStyle/>
           <a:p>
-            <a:endParaRPr lang="pt-BR"/>
+            <a:endParaRPr lang="pt-BR" dirty="0"/>
           </a:p>
         </p:txBody>
       </p:sp>
@@ -5389,15 +5436,57 @@
           <a:bodyPr/>
           <a:lstStyle/>
           <a:p>
-            <a:r>
-              <a:rPr lang="pt-BR" dirty="0" smtClean="0"/>
-              <a:t>Diagrama de Sequência</a:t>
-            </a:r>
-            <a:endParaRPr lang="pt-BR" dirty="0"/>
-          </a:p>
-        </p:txBody>
-      </p:sp>
+            <a:endParaRPr lang="pt-BR"/>
+          </a:p>
+        </p:txBody>
+      </p:sp>
+      <p:pic>
+        <p:nvPicPr>
+          <p:cNvPr id="1026" name="Picture 2" descr="D:\Projetos\EMR_Agosto\Documentação\UML\Diagramas\EstadosRequisito.jpg"/>
+          <p:cNvPicPr>
+            <a:picLocks noChangeAspect="1" noChangeArrowheads="1"/>
+          </p:cNvPicPr>
+          <p:nvPr/>
+        </p:nvPicPr>
+        <p:blipFill>
+          <a:blip r:embed="rId2">
+            <a:extLst>
+              <a:ext uri="{28A0092B-C50C-407E-A947-70E740481C1C}">
+                <a14:useLocalDpi xmlns:a14="http://schemas.microsoft.com/office/drawing/2010/main" val="0"/>
+              </a:ext>
+            </a:extLst>
+          </a:blip>
+          <a:srcRect/>
+          <a:stretch>
+            <a:fillRect/>
+          </a:stretch>
+        </p:blipFill>
+        <p:spPr bwMode="auto">
+          <a:xfrm>
+            <a:off x="0" y="660830"/>
+            <a:ext cx="9144000" cy="5536339"/>
+          </a:xfrm>
+          <a:prstGeom prst="rect">
+            <a:avLst/>
+          </a:prstGeom>
+          <a:noFill/>
+          <a:extLst>
+            <a:ext uri="{909E8E84-426E-40DD-AFC4-6F175D3DCCD1}">
+              <a14:hiddenFill xmlns:a14="http://schemas.microsoft.com/office/drawing/2010/main">
+                <a:solidFill>
+                  <a:srgbClr val="FFFFFF"/>
+                </a:solidFill>
+              </a14:hiddenFill>
+            </a:ext>
+          </a:extLst>
+        </p:spPr>
+      </p:pic>
     </p:spTree>
+    <p:extLst>
+      <p:ext uri="{BB962C8B-B14F-4D97-AF65-F5344CB8AC3E}">
+        <p14:creationId xmlns:p14="http://schemas.microsoft.com/office/powerpoint/2010/main" val="1650865006"/>
+      </p:ext>
+    </p:extLst>
   </p:cSld>
   <p:clrMapOvr>
     <a:masterClrMapping/>
@@ -5432,6 +5521,265 @@
             <p:ph idx="1"/>
           </p:nvPr>
         </p:nvSpPr>
+        <p:spPr/>
+        <p:txBody>
+          <a:bodyPr/>
+          <a:lstStyle/>
+          <a:p>
+            <a:endParaRPr lang="pt-BR"/>
+          </a:p>
+        </p:txBody>
+      </p:sp>
+      <p:sp>
+        <p:nvSpPr>
+          <p:cNvPr id="3" name="Title 2"/>
+          <p:cNvSpPr>
+            <a:spLocks noGrp="1"/>
+          </p:cNvSpPr>
+          <p:nvPr>
+            <p:ph type="title"/>
+          </p:nvPr>
+        </p:nvSpPr>
+        <p:spPr/>
+        <p:txBody>
+          <a:bodyPr/>
+          <a:lstStyle/>
+          <a:p>
+            <a:endParaRPr lang="pt-BR"/>
+          </a:p>
+        </p:txBody>
+      </p:sp>
+      <p:pic>
+        <p:nvPicPr>
+          <p:cNvPr id="2050" name="Picture 2" descr="D:\Projetos\EMR_Agosto\Documentação\UML\Diagramas\EstadosPacotes.jpg"/>
+          <p:cNvPicPr>
+            <a:picLocks noChangeAspect="1" noChangeArrowheads="1"/>
+          </p:cNvPicPr>
+          <p:nvPr/>
+        </p:nvPicPr>
+        <p:blipFill>
+          <a:blip r:embed="rId2">
+            <a:extLst>
+              <a:ext uri="{28A0092B-C50C-407E-A947-70E740481C1C}">
+                <a14:useLocalDpi xmlns:a14="http://schemas.microsoft.com/office/drawing/2010/main" val="0"/>
+              </a:ext>
+            </a:extLst>
+          </a:blip>
+          <a:srcRect/>
+          <a:stretch>
+            <a:fillRect/>
+          </a:stretch>
+        </p:blipFill>
+        <p:spPr bwMode="auto">
+          <a:xfrm>
+            <a:off x="1881187" y="33337"/>
+            <a:ext cx="5381625" cy="6791325"/>
+          </a:xfrm>
+          <a:prstGeom prst="rect">
+            <a:avLst/>
+          </a:prstGeom>
+          <a:noFill/>
+          <a:extLst>
+            <a:ext uri="{909E8E84-426E-40DD-AFC4-6F175D3DCCD1}">
+              <a14:hiddenFill xmlns:a14="http://schemas.microsoft.com/office/drawing/2010/main">
+                <a:solidFill>
+                  <a:srgbClr val="FFFFFF"/>
+                </a:solidFill>
+              </a14:hiddenFill>
+            </a:ext>
+          </a:extLst>
+        </p:spPr>
+      </p:pic>
+    </p:spTree>
+    <p:extLst>
+      <p:ext uri="{BB962C8B-B14F-4D97-AF65-F5344CB8AC3E}">
+        <p14:creationId xmlns:p14="http://schemas.microsoft.com/office/powerpoint/2010/main" val="2487574918"/>
+      </p:ext>
+    </p:extLst>
+  </p:cSld>
+  <p:clrMapOvr>
+    <a:masterClrMapping/>
+  </p:clrMapOvr>
+</p:sld>
+</file>
+
+<file path=ppt/slides/slide13.xml><?xml version="1.0" encoding="utf-8"?>
+<p:sld xmlns:a="http://schemas.openxmlformats.org/drawingml/2006/main" xmlns:r="http://schemas.openxmlformats.org/officeDocument/2006/relationships" xmlns:p="http://schemas.openxmlformats.org/presentationml/2006/main">
+  <p:cSld>
+    <p:spTree>
+      <p:nvGrpSpPr>
+        <p:cNvPr id="1" name=""/>
+        <p:cNvGrpSpPr/>
+        <p:nvPr/>
+      </p:nvGrpSpPr>
+      <p:grpSpPr>
+        <a:xfrm>
+          <a:off x="0" y="0"/>
+          <a:ext cx="0" cy="0"/>
+          <a:chOff x="0" y="0"/>
+          <a:chExt cx="0" cy="0"/>
+        </a:xfrm>
+      </p:grpSpPr>
+      <p:sp>
+        <p:nvSpPr>
+          <p:cNvPr id="2" name="Content Placeholder 1"/>
+          <p:cNvSpPr>
+            <a:spLocks noGrp="1"/>
+          </p:cNvSpPr>
+          <p:nvPr>
+            <p:ph idx="1"/>
+          </p:nvPr>
+        </p:nvSpPr>
+        <p:spPr/>
+        <p:txBody>
+          <a:bodyPr/>
+          <a:lstStyle/>
+          <a:p>
+            <a:endParaRPr lang="pt-BR"/>
+          </a:p>
+        </p:txBody>
+      </p:sp>
+      <p:sp>
+        <p:nvSpPr>
+          <p:cNvPr id="3" name="Title 2"/>
+          <p:cNvSpPr>
+            <a:spLocks noGrp="1"/>
+          </p:cNvSpPr>
+          <p:nvPr>
+            <p:ph type="title"/>
+          </p:nvPr>
+        </p:nvSpPr>
+        <p:spPr/>
+        <p:txBody>
+          <a:bodyPr>
+            <a:normAutofit/>
+          </a:bodyPr>
+          <a:lstStyle/>
+          <a:p>
+            <a:r>
+              <a:rPr lang="pt-BR" dirty="0" smtClean="0"/>
+              <a:t>Casos de Uso</a:t>
+            </a:r>
+            <a:endParaRPr lang="pt-BR" dirty="0"/>
+          </a:p>
+        </p:txBody>
+      </p:sp>
+    </p:spTree>
+  </p:cSld>
+  <p:clrMapOvr>
+    <a:masterClrMapping/>
+  </p:clrMapOvr>
+  <p:timing>
+    <p:tnLst>
+      <p:par>
+        <p:cTn id="1" dur="indefinite" restart="never" nodeType="tmRoot"/>
+      </p:par>
+    </p:tnLst>
+  </p:timing>
+</p:sld>
+</file>
+
+<file path=ppt/slides/slide14.xml><?xml version="1.0" encoding="utf-8"?>
+<p:sld xmlns:a="http://schemas.openxmlformats.org/drawingml/2006/main" xmlns:r="http://schemas.openxmlformats.org/officeDocument/2006/relationships" xmlns:p="http://schemas.openxmlformats.org/presentationml/2006/main">
+  <p:cSld>
+    <p:spTree>
+      <p:nvGrpSpPr>
+        <p:cNvPr id="1" name=""/>
+        <p:cNvGrpSpPr/>
+        <p:nvPr/>
+      </p:nvGrpSpPr>
+      <p:grpSpPr>
+        <a:xfrm>
+          <a:off x="0" y="0"/>
+          <a:ext cx="0" cy="0"/>
+          <a:chOff x="0" y="0"/>
+          <a:chExt cx="0" cy="0"/>
+        </a:xfrm>
+      </p:grpSpPr>
+      <p:sp>
+        <p:nvSpPr>
+          <p:cNvPr id="2" name="Content Placeholder 1"/>
+          <p:cNvSpPr>
+            <a:spLocks noGrp="1"/>
+          </p:cNvSpPr>
+          <p:nvPr>
+            <p:ph idx="1"/>
+          </p:nvPr>
+        </p:nvSpPr>
+        <p:spPr/>
+        <p:txBody>
+          <a:bodyPr/>
+          <a:lstStyle/>
+          <a:p>
+            <a:endParaRPr lang="pt-BR"/>
+          </a:p>
+        </p:txBody>
+      </p:sp>
+      <p:sp>
+        <p:nvSpPr>
+          <p:cNvPr id="3" name="Title 2"/>
+          <p:cNvSpPr>
+            <a:spLocks noGrp="1"/>
+          </p:cNvSpPr>
+          <p:nvPr>
+            <p:ph type="title"/>
+          </p:nvPr>
+        </p:nvSpPr>
+        <p:spPr/>
+        <p:txBody>
+          <a:bodyPr/>
+          <a:lstStyle/>
+          <a:p>
+            <a:r>
+              <a:rPr lang="pt-BR" dirty="0" smtClean="0"/>
+              <a:t>Diagrama de Sequência</a:t>
+            </a:r>
+            <a:endParaRPr lang="pt-BR" dirty="0"/>
+          </a:p>
+        </p:txBody>
+      </p:sp>
+    </p:spTree>
+  </p:cSld>
+  <p:clrMapOvr>
+    <a:masterClrMapping/>
+  </p:clrMapOvr>
+  <p:timing>
+    <p:tnLst>
+      <p:par>
+        <p:cTn id="1" dur="indefinite" restart="never" nodeType="tmRoot"/>
+      </p:par>
+    </p:tnLst>
+  </p:timing>
+</p:sld>
+</file>
+
+<file path=ppt/slides/slide15.xml><?xml version="1.0" encoding="utf-8"?>
+<p:sld xmlns:a="http://schemas.openxmlformats.org/drawingml/2006/main" xmlns:r="http://schemas.openxmlformats.org/officeDocument/2006/relationships" xmlns:p="http://schemas.openxmlformats.org/presentationml/2006/main">
+  <p:cSld>
+    <p:spTree>
+      <p:nvGrpSpPr>
+        <p:cNvPr id="1" name=""/>
+        <p:cNvGrpSpPr/>
+        <p:nvPr/>
+      </p:nvGrpSpPr>
+      <p:grpSpPr>
+        <a:xfrm>
+          <a:off x="0" y="0"/>
+          <a:ext cx="0" cy="0"/>
+          <a:chOff x="0" y="0"/>
+          <a:chExt cx="0" cy="0"/>
+        </a:xfrm>
+      </p:grpSpPr>
+      <p:sp>
+        <p:nvSpPr>
+          <p:cNvPr id="2" name="Content Placeholder 1"/>
+          <p:cNvSpPr>
+            <a:spLocks noGrp="1"/>
+          </p:cNvSpPr>
+          <p:nvPr>
+            <p:ph idx="1"/>
+          </p:nvPr>
+        </p:nvSpPr>
         <p:spPr>
           <a:xfrm>
             <a:off x="3352800" y="3124200"/>
@@ -5480,6 +5828,13 @@
   <p:clrMapOvr>
     <a:masterClrMapping/>
   </p:clrMapOvr>
+  <p:timing>
+    <p:tnLst>
+      <p:par>
+        <p:cTn id="1" dur="indefinite" restart="never" nodeType="tmRoot"/>
+      </p:par>
+    </p:tnLst>
+  </p:timing>
 </p:sld>
 </file>
 
@@ -5574,6 +5929,13 @@
   <p:clrMapOvr>
     <a:masterClrMapping/>
   </p:clrMapOvr>
+  <p:timing>
+    <p:tnLst>
+      <p:par>
+        <p:cTn id="1" dur="indefinite" restart="never" nodeType="tmRoot"/>
+      </p:par>
+    </p:tnLst>
+  </p:timing>
 </p:sld>
 </file>
 
@@ -5650,6 +6012,13 @@
   <p:clrMapOvr>
     <a:masterClrMapping/>
   </p:clrMapOvr>
+  <p:timing>
+    <p:tnLst>
+      <p:par>
+        <p:cTn id="1" dur="indefinite" restart="never" nodeType="tmRoot"/>
+      </p:par>
+    </p:tnLst>
+  </p:timing>
 </p:sld>
 </file>
 
@@ -5743,6 +6112,13 @@
   <p:clrMapOvr>
     <a:masterClrMapping/>
   </p:clrMapOvr>
+  <p:timing>
+    <p:tnLst>
+      <p:par>
+        <p:cTn id="1" dur="indefinite" restart="never" nodeType="tmRoot"/>
+      </p:par>
+    </p:tnLst>
+  </p:timing>
 </p:sld>
 </file>
 
@@ -5857,6 +6233,13 @@
   <p:clrMapOvr>
     <a:masterClrMapping/>
   </p:clrMapOvr>
+  <p:timing>
+    <p:tnLst>
+      <p:par>
+        <p:cTn id="1" dur="indefinite" restart="never" nodeType="tmRoot"/>
+      </p:par>
+    </p:tnLst>
+  </p:timing>
 </p:sld>
 </file>
 
@@ -5948,6 +6331,13 @@
   <p:clrMapOvr>
     <a:masterClrMapping/>
   </p:clrMapOvr>
+  <p:timing>
+    <p:tnLst>
+      <p:par>
+        <p:cTn id="1" dur="indefinite" restart="never" nodeType="tmRoot"/>
+      </p:par>
+    </p:tnLst>
+  </p:timing>
 </p:sld>
 </file>
 
@@ -6177,6 +6567,13 @@
   <p:clrMapOvr>
     <a:masterClrMapping/>
   </p:clrMapOvr>
+  <p:timing>
+    <p:tnLst>
+      <p:par>
+        <p:cTn id="1" dur="indefinite" restart="never" nodeType="tmRoot"/>
+      </p:par>
+    </p:tnLst>
+  </p:timing>
 </p:sld>
 </file>
 
@@ -6266,6 +6663,13 @@
   <p:clrMapOvr>
     <a:masterClrMapping/>
   </p:clrMapOvr>
+  <p:timing>
+    <p:tnLst>
+      <p:par>
+        <p:cTn id="1" dur="indefinite" restart="never" nodeType="tmRoot"/>
+      </p:par>
+    </p:tnLst>
+  </p:timing>
 </p:sld>
 </file>
 
